--- a/lihw_cv_cn.pptx
+++ b/lihw_cv_cn.pptx
@@ -304,7 +304,7 @@
             <a:fld id="{C1C8F194-2A20-4EAA-98C2-EB73D9B98286}" type="datetimeFigureOut">
               <a:rPr lang="en-US" smtClean="0"/>
               <a:pPr/>
-              <a:t>8/9/2024</a:t>
+              <a:t>10/28/2024</a:t>
             </a:fld>
             <a:endParaRPr lang="en-US"/>
           </a:p>
@@ -469,7 +469,7 @@
             <a:fld id="{C1C8F194-2A20-4EAA-98C2-EB73D9B98286}" type="datetimeFigureOut">
               <a:rPr lang="en-US" smtClean="0"/>
               <a:pPr/>
-              <a:t>8/9/2024</a:t>
+              <a:t>10/28/2024</a:t>
             </a:fld>
             <a:endParaRPr lang="en-US"/>
           </a:p>
@@ -644,7 +644,7 @@
             <a:fld id="{C1C8F194-2A20-4EAA-98C2-EB73D9B98286}" type="datetimeFigureOut">
               <a:rPr lang="en-US" smtClean="0"/>
               <a:pPr/>
-              <a:t>8/9/2024</a:t>
+              <a:t>10/28/2024</a:t>
             </a:fld>
             <a:endParaRPr lang="en-US"/>
           </a:p>
@@ -809,7 +809,7 @@
             <a:fld id="{C1C8F194-2A20-4EAA-98C2-EB73D9B98286}" type="datetimeFigureOut">
               <a:rPr lang="en-US" smtClean="0"/>
               <a:pPr/>
-              <a:t>8/9/2024</a:t>
+              <a:t>10/28/2024</a:t>
             </a:fld>
             <a:endParaRPr lang="en-US"/>
           </a:p>
@@ -1051,7 +1051,7 @@
             <a:fld id="{C1C8F194-2A20-4EAA-98C2-EB73D9B98286}" type="datetimeFigureOut">
               <a:rPr lang="en-US" smtClean="0"/>
               <a:pPr/>
-              <a:t>8/9/2024</a:t>
+              <a:t>10/28/2024</a:t>
             </a:fld>
             <a:endParaRPr lang="en-US"/>
           </a:p>
@@ -1333,7 +1333,7 @@
             <a:fld id="{C1C8F194-2A20-4EAA-98C2-EB73D9B98286}" type="datetimeFigureOut">
               <a:rPr lang="en-US" smtClean="0"/>
               <a:pPr/>
-              <a:t>8/9/2024</a:t>
+              <a:t>10/28/2024</a:t>
             </a:fld>
             <a:endParaRPr lang="en-US"/>
           </a:p>
@@ -1754,7 +1754,7 @@
             <a:fld id="{C1C8F194-2A20-4EAA-98C2-EB73D9B98286}" type="datetimeFigureOut">
               <a:rPr lang="en-US" smtClean="0"/>
               <a:pPr/>
-              <a:t>8/9/2024</a:t>
+              <a:t>10/28/2024</a:t>
             </a:fld>
             <a:endParaRPr lang="en-US"/>
           </a:p>
@@ -1868,7 +1868,7 @@
             <a:fld id="{C1C8F194-2A20-4EAA-98C2-EB73D9B98286}" type="datetimeFigureOut">
               <a:rPr lang="en-US" smtClean="0"/>
               <a:pPr/>
-              <a:t>8/9/2024</a:t>
+              <a:t>10/28/2024</a:t>
             </a:fld>
             <a:endParaRPr lang="en-US"/>
           </a:p>
@@ -1960,7 +1960,7 @@
             <a:fld id="{C1C8F194-2A20-4EAA-98C2-EB73D9B98286}" type="datetimeFigureOut">
               <a:rPr lang="en-US" smtClean="0"/>
               <a:pPr/>
-              <a:t>8/9/2024</a:t>
+              <a:t>10/28/2024</a:t>
             </a:fld>
             <a:endParaRPr lang="en-US"/>
           </a:p>
@@ -2232,7 +2232,7 @@
             <a:fld id="{C1C8F194-2A20-4EAA-98C2-EB73D9B98286}" type="datetimeFigureOut">
               <a:rPr lang="en-US" smtClean="0"/>
               <a:pPr/>
-              <a:t>8/9/2024</a:t>
+              <a:t>10/28/2024</a:t>
             </a:fld>
             <a:endParaRPr lang="en-US"/>
           </a:p>
@@ -2481,7 +2481,7 @@
             <a:fld id="{C1C8F194-2A20-4EAA-98C2-EB73D9B98286}" type="datetimeFigureOut">
               <a:rPr lang="en-US" smtClean="0"/>
               <a:pPr/>
-              <a:t>8/9/2024</a:t>
+              <a:t>10/28/2024</a:t>
             </a:fld>
             <a:endParaRPr lang="en-US"/>
           </a:p>
@@ -2689,7 +2689,7 @@
             <a:fld id="{C1C8F194-2A20-4EAA-98C2-EB73D9B98286}" type="datetimeFigureOut">
               <a:rPr lang="en-US" smtClean="0"/>
               <a:pPr/>
-              <a:t>8/9/2024</a:t>
+              <a:t>10/28/2024</a:t>
             </a:fld>
             <a:endParaRPr lang="en-US"/>
           </a:p>
@@ -3107,7 +3107,7 @@
         <p:spPr>
           <a:xfrm>
             <a:off x="404664" y="704528"/>
-            <a:ext cx="5976664" cy="9140964"/>
+            <a:ext cx="5976664" cy="7686720"/>
           </a:xfrm>
           <a:prstGeom prst="rect">
             <a:avLst/>
@@ -4454,7 +4454,7 @@
                 <a:ea typeface="华文仿宋" panose="02010600040101010101" pitchFamily="2" charset="-122"/>
                 <a:cs typeface="Times New Roman" pitchFamily="18" charset="0"/>
               </a:rPr>
-              <a:t>2013/4 – 2015/2</a:t>
+              <a:t>2011/4 – 2015/2</a:t>
             </a:r>
           </a:p>
           <a:p>
@@ -4541,161 +4541,6 @@
               <a:ea typeface="华文仿宋" panose="02010600040101010101" pitchFamily="2" charset="-122"/>
               <a:cs typeface="Times New Roman" pitchFamily="18" charset="0"/>
             </a:endParaRPr>
-          </a:p>
-          <a:p>
-            <a:pPr marL="182563" lvl="1" indent="-182563">
-              <a:buFont typeface="Wingdings" pitchFamily="2" charset="2"/>
-              <a:buChar char="§"/>
-              <a:tabLst>
-                <a:tab pos="182563" algn="l"/>
-              </a:tabLst>
-            </a:pPr>
-            <a:endParaRPr lang="en-US" altLang="zh-CN" sz="1050" dirty="0">
-              <a:latin typeface="Univers Condensed" panose="020B0506020202050204" pitchFamily="34" charset="0"/>
-              <a:ea typeface="华文仿宋" panose="02010600040101010101" pitchFamily="2" charset="-122"/>
-              <a:cs typeface="Times New Roman" pitchFamily="18" charset="0"/>
-            </a:endParaRPr>
-          </a:p>
-          <a:p>
-            <a:r>
-              <a:rPr lang="en-US" altLang="zh-CN" sz="1050" dirty="0">
-                <a:latin typeface="Univers Condensed" panose="020B0506020202050204" pitchFamily="34" charset="0"/>
-                <a:ea typeface="华文仿宋" panose="02010600040101010101" pitchFamily="2" charset="-122"/>
-                <a:cs typeface="Times New Roman" pitchFamily="18" charset="0"/>
-              </a:rPr>
-              <a:t>2012/3 – 2013/4</a:t>
-            </a:r>
-          </a:p>
-          <a:p>
-            <a:r>
-              <a:rPr lang="zh-CN" altLang="en-US" sz="1050" b="1" dirty="0">
-                <a:latin typeface="Univers Condensed" panose="020B0506020202050204" pitchFamily="34" charset="0"/>
-                <a:ea typeface="华文仿宋" panose="02010600040101010101" pitchFamily="2" charset="-122"/>
-                <a:cs typeface="Times New Roman" pitchFamily="18" charset="0"/>
-              </a:rPr>
-              <a:t>技术经理      </a:t>
-            </a:r>
-            <a:r>
-              <a:rPr lang="en-US" altLang="zh-CN" sz="1050" dirty="0" err="1">
-                <a:latin typeface="Univers Condensed" panose="020B0506020202050204" pitchFamily="34" charset="0"/>
-                <a:ea typeface="华文仿宋" panose="02010600040101010101" pitchFamily="2" charset="-122"/>
-                <a:cs typeface="Times New Roman" pitchFamily="18" charset="0"/>
-              </a:rPr>
-              <a:t>Rightware</a:t>
-            </a:r>
-            <a:r>
-              <a:rPr lang="en-US" altLang="zh-CN" sz="1050" dirty="0">
-                <a:latin typeface="Univers Condensed" panose="020B0506020202050204" pitchFamily="34" charset="0"/>
-                <a:ea typeface="华文仿宋" panose="02010600040101010101" pitchFamily="2" charset="-122"/>
-                <a:cs typeface="Times New Roman" pitchFamily="18" charset="0"/>
-              </a:rPr>
-              <a:t>, Oy</a:t>
-            </a:r>
-            <a:r>
-              <a:rPr lang="zh-CN" altLang="en-US" sz="1050" dirty="0">
-                <a:latin typeface="Univers Condensed" panose="020B0506020202050204" pitchFamily="34" charset="0"/>
-                <a:ea typeface="华文仿宋" panose="02010600040101010101" pitchFamily="2" charset="-122"/>
-                <a:cs typeface="Times New Roman" pitchFamily="18" charset="0"/>
-              </a:rPr>
-              <a:t>（上海）</a:t>
-            </a:r>
-            <a:endParaRPr lang="en-US" altLang="zh-CN" sz="1050" dirty="0">
-              <a:latin typeface="Univers Condensed" panose="020B0506020202050204" pitchFamily="34" charset="0"/>
-              <a:ea typeface="华文仿宋" panose="02010600040101010101" pitchFamily="2" charset="-122"/>
-              <a:cs typeface="Times New Roman" pitchFamily="18" charset="0"/>
-            </a:endParaRPr>
-          </a:p>
-          <a:p>
-            <a:pPr marL="182563" lvl="1" indent="-182563">
-              <a:buFont typeface="Wingdings" pitchFamily="2" charset="2"/>
-              <a:buChar char="§"/>
-              <a:tabLst>
-                <a:tab pos="182563" algn="l"/>
-              </a:tabLst>
-            </a:pPr>
-            <a:r>
-              <a:rPr lang="zh-CN" altLang="en-US" sz="1050" dirty="0">
-                <a:latin typeface="Univers Condensed" panose="020B0506020202050204" pitchFamily="34" charset="0"/>
-                <a:ea typeface="华文仿宋" panose="02010600040101010101" pitchFamily="2" charset="-122"/>
-                <a:cs typeface="Times New Roman" pitchFamily="18" charset="0"/>
-              </a:rPr>
-              <a:t>领导一个</a:t>
-            </a:r>
-            <a:r>
-              <a:rPr lang="en-US" altLang="zh-CN" sz="1050" dirty="0">
-                <a:latin typeface="Univers Condensed" panose="020B0506020202050204" pitchFamily="34" charset="0"/>
-                <a:ea typeface="华文仿宋" panose="02010600040101010101" pitchFamily="2" charset="-122"/>
-                <a:cs typeface="Times New Roman" pitchFamily="18" charset="0"/>
-              </a:rPr>
-              <a:t>5</a:t>
-            </a:r>
-            <a:r>
-              <a:rPr lang="zh-CN" altLang="en-US" sz="1050" dirty="0">
-                <a:latin typeface="Univers Condensed" panose="020B0506020202050204" pitchFamily="34" charset="0"/>
-                <a:ea typeface="华文仿宋" panose="02010600040101010101" pitchFamily="2" charset="-122"/>
-                <a:cs typeface="Times New Roman" pitchFamily="18" charset="0"/>
-              </a:rPr>
-              <a:t>人团队，负责</a:t>
-            </a:r>
-            <a:r>
-              <a:rPr lang="en-US" altLang="zh-CN" sz="1050" dirty="0">
-                <a:latin typeface="Univers Condensed" panose="020B0506020202050204" pitchFamily="34" charset="0"/>
-                <a:ea typeface="华文仿宋" panose="02010600040101010101" pitchFamily="2" charset="-122"/>
-                <a:cs typeface="Times New Roman" pitchFamily="18" charset="0"/>
-              </a:rPr>
-              <a:t>Kanzi</a:t>
-            </a:r>
-            <a:r>
-              <a:rPr lang="zh-CN" altLang="en-US" sz="1050" dirty="0">
-                <a:latin typeface="Univers Condensed" panose="020B0506020202050204" pitchFamily="34" charset="0"/>
-                <a:ea typeface="华文仿宋" panose="02010600040101010101" pitchFamily="2" charset="-122"/>
-                <a:cs typeface="Times New Roman" pitchFamily="18" charset="0"/>
-              </a:rPr>
-              <a:t>（一个手机和车载</a:t>
-            </a:r>
-            <a:r>
-              <a:rPr lang="en-US" altLang="zh-CN" sz="1050" dirty="0">
-                <a:latin typeface="Univers Condensed" panose="020B0506020202050204" pitchFamily="34" charset="0"/>
-                <a:ea typeface="华文仿宋" panose="02010600040101010101" pitchFamily="2" charset="-122"/>
-                <a:cs typeface="Times New Roman" pitchFamily="18" charset="0"/>
-              </a:rPr>
-              <a:t>3D UI</a:t>
-            </a:r>
-            <a:r>
-              <a:rPr lang="zh-CN" altLang="en-US" sz="1050" dirty="0">
-                <a:latin typeface="Univers Condensed" panose="020B0506020202050204" pitchFamily="34" charset="0"/>
-                <a:ea typeface="华文仿宋" panose="02010600040101010101" pitchFamily="2" charset="-122"/>
-                <a:cs typeface="Times New Roman" pitchFamily="18" charset="0"/>
-              </a:rPr>
-              <a:t>引擎，后被中科创达收购）本地客户项目的研发，包括金立，联想，德赛。</a:t>
-            </a:r>
-            <a:endParaRPr lang="en-US" altLang="zh-CN" sz="1050" dirty="0">
-              <a:latin typeface="Univers Condensed" panose="020B0506020202050204" pitchFamily="34" charset="0"/>
-              <a:ea typeface="华文仿宋" panose="02010600040101010101" pitchFamily="2" charset="-122"/>
-              <a:cs typeface="Times New Roman" pitchFamily="18" charset="0"/>
-            </a:endParaRPr>
-          </a:p>
-          <a:p>
-            <a:pPr marL="0" lvl="1">
-              <a:tabLst>
-                <a:tab pos="182563" algn="l"/>
-              </a:tabLst>
-            </a:pPr>
-            <a:endParaRPr lang="en-US" altLang="zh-CN" sz="1050" dirty="0">
-              <a:latin typeface="Univers Condensed" panose="020B0506020202050204" pitchFamily="34" charset="0"/>
-              <a:ea typeface="华文仿宋" panose="02010600040101010101" pitchFamily="2" charset="-122"/>
-              <a:cs typeface="Times New Roman" pitchFamily="18" charset="0"/>
-            </a:endParaRPr>
-          </a:p>
-          <a:p>
-            <a:r>
-              <a:rPr lang="en-US" altLang="zh-CN" sz="1050" dirty="0">
-                <a:latin typeface="Univers Condensed" panose="020B0506020202050204" pitchFamily="34" charset="0"/>
-                <a:ea typeface="华文仿宋" panose="02010600040101010101" pitchFamily="2" charset="-122"/>
-                <a:cs typeface="Times New Roman" pitchFamily="18" charset="0"/>
-              </a:rPr>
-              <a:t>2011/4 – 2012/3</a:t>
-            </a:r>
           </a:p>
           <a:p>
             <a:r>
